--- a/Presentation/Presentation.pptx
+++ b/Presentation/Presentation.pptx
@@ -120,7 +120,7 @@
 <p1510:revInfo xmlns:a="http://schemas.openxmlformats.org/drawingml/2006/main" xmlns:r="http://schemas.openxmlformats.org/officeDocument/2006/relationships" xmlns:p1510="http://schemas.microsoft.com/office/powerpoint/2015/10/main">
   <p1510:revLst>
     <p1510:client id="{1C960246-161A-46C2-B114-47492FCF5400}" v="193" dt="2023-03-10T20:54:08.838"/>
-    <p1510:client id="{EA0D56A0-8CBD-E5B1-0C47-456001829E72}" v="70" dt="2023-03-10T21:27:20.099"/>
+    <p1510:client id="{EA0D56A0-8CBD-E5B1-0C47-456001829E72}" v="89" dt="2023-03-10T21:37:34.275"/>
   </p1510:revLst>
 </p1510:revInfo>
 </file>
@@ -5238,7 +5238,7 @@
         </p:blipFill>
         <p:spPr>
           <a:xfrm>
-            <a:off x="9726713" y="994608"/>
+            <a:off x="9802913" y="1394658"/>
             <a:ext cx="2251276" cy="1528282"/>
           </a:xfrm>
           <a:prstGeom prst="rect">
@@ -5268,7 +5268,7 @@
         </p:blipFill>
         <p:spPr>
           <a:xfrm>
-            <a:off x="4683528" y="993325"/>
+            <a:off x="6540903" y="4993825"/>
             <a:ext cx="1554866" cy="1395569"/>
           </a:xfrm>
           <a:prstGeom prst="rect">
@@ -5298,7 +5298,7 @@
         </p:blipFill>
         <p:spPr>
           <a:xfrm>
-            <a:off x="6728268" y="1640952"/>
+            <a:off x="7575993" y="1231377"/>
             <a:ext cx="3030396" cy="3393673"/>
           </a:xfrm>
           <a:prstGeom prst="rect">
@@ -5328,7 +5328,7 @@
         </p:blipFill>
         <p:spPr>
           <a:xfrm>
-            <a:off x="5603232" y="5128365"/>
+            <a:off x="9127482" y="4918815"/>
             <a:ext cx="2559934" cy="1548963"/>
           </a:xfrm>
           <a:prstGeom prst="rect">
@@ -5338,10 +5338,10 @@
       </p:pic>
       <p:pic>
         <p:nvPicPr>
-          <p:cNvPr id="9" name="Picture 10" descr="Icon&#10;&#10;Description automatically generated">
+          <p:cNvPr id="13" name="Picture 13" descr="Logo&#10;&#10;Description automatically generated">
             <a:extLst>
               <a:ext uri="{FF2B5EF4-FFF2-40B4-BE49-F238E27FC236}">
-                <a16:creationId xmlns:a16="http://schemas.microsoft.com/office/drawing/2014/main" id="{9AA9E6E1-450F-C445-FFB1-FB8FE770F2BC}"/>
+                <a16:creationId xmlns:a16="http://schemas.microsoft.com/office/drawing/2014/main" id="{CD1EA36A-23D3-BA30-060C-3EBBE5B34D4B}"/>
               </a:ext>
             </a:extLst>
           </p:cNvPr>
@@ -5358,8 +5358,8 @@
         </p:blipFill>
         <p:spPr>
           <a:xfrm>
-            <a:off x="4682804" y="2859317"/>
-            <a:ext cx="1355685" cy="1893049"/>
+            <a:off x="5736702" y="3361963"/>
+            <a:ext cx="1421758" cy="1421758"/>
           </a:xfrm>
           <a:prstGeom prst="rect">
             <a:avLst/>
@@ -5368,10 +5368,10 @@
       </p:pic>
       <p:pic>
         <p:nvPicPr>
-          <p:cNvPr id="11" name="Picture 12" descr="Logo, icon&#10;&#10;Description automatically generated">
+          <p:cNvPr id="3" name="Picture 13" descr="Logo&#10;&#10;Description automatically generated">
             <a:extLst>
               <a:ext uri="{FF2B5EF4-FFF2-40B4-BE49-F238E27FC236}">
-                <a16:creationId xmlns:a16="http://schemas.microsoft.com/office/drawing/2014/main" id="{8196598E-557E-8182-1FCA-38BFCBC8B8C7}"/>
+                <a16:creationId xmlns:a16="http://schemas.microsoft.com/office/drawing/2014/main" id="{106D0ECC-0901-FCA9-2324-DDCDD2219CBF}"/>
               </a:ext>
             </a:extLst>
           </p:cNvPr>
@@ -5388,38 +5388,8 @@
         </p:blipFill>
         <p:spPr>
           <a:xfrm>
-            <a:off x="10116876" y="3111178"/>
-            <a:ext cx="1894390" cy="1875099"/>
-          </a:xfrm>
-          <a:prstGeom prst="rect">
-            <a:avLst/>
-          </a:prstGeom>
-        </p:spPr>
-      </p:pic>
-      <p:pic>
-        <p:nvPicPr>
-          <p:cNvPr id="13" name="Picture 13" descr="Logo&#10;&#10;Description automatically generated">
-            <a:extLst>
-              <a:ext uri="{FF2B5EF4-FFF2-40B4-BE49-F238E27FC236}">
-                <a16:creationId xmlns:a16="http://schemas.microsoft.com/office/drawing/2014/main" id="{CD1EA36A-23D3-BA30-060C-3EBBE5B34D4B}"/>
-              </a:ext>
-            </a:extLst>
-          </p:cNvPr>
-          <p:cNvPicPr>
-            <a:picLocks noChangeAspect="1"/>
-          </p:cNvPicPr>
-          <p:nvPr/>
-        </p:nvPicPr>
-        <p:blipFill>
-          <a:blip r:embed="rId8"/>
-          <a:stretch>
-            <a:fillRect/>
-          </a:stretch>
-        </p:blipFill>
-        <p:spPr>
-          <a:xfrm>
-            <a:off x="8746602" y="5076463"/>
-            <a:ext cx="1421758" cy="1421758"/>
+            <a:off x="4829175" y="1354440"/>
+            <a:ext cx="2743200" cy="1939320"/>
           </a:xfrm>
           <a:prstGeom prst="rect">
             <a:avLst/>
